--- a/resources/assets/document-templates/si-LK/new.pptx
+++ b/resources/assets/document-templates/si-LK/new.pptx
@@ -2373,7 +2373,7 @@
           <a:p>
             <a:r>
               <a:rPr lang="si-LK" smtClean="0"/>
-              <a:t>Clique para editar o estilo</a:t>
+              <a:t>විලාසය සංස්කරණය කිරීමට ක්ලික් කරන්න</a:t>
             </a:r>
             <a:endParaRPr lang="si-LK" dirty="0"/>
           </a:p>
